--- a/TeamEJJ_Summary.pptx
+++ b/TeamEJJ_Summary.pptx
@@ -5854,7 +5854,7 @@
         <p:spPr/>
         <p:txBody>
           <a:bodyPr>
-            <a:normAutofit lnSpcReduction="10000"/>
+            <a:normAutofit/>
           </a:bodyPr>
           <a:lstStyle/>
           <a:p>
@@ -5900,15 +5900,12 @@
           <a:p>
             <a:pPr lvl="2"/>
             <a:r>
+              <a:rPr lang="en-US" dirty="0" smtClean="0"/>
+              <a:t>Chance </a:t>
+            </a:r>
+            <a:r>
               <a:rPr lang="en-US" dirty="0"/>
-              <a:t>Sortie time will be colored RED if it’s not valid given the constraints</a:t>
-            </a:r>
-          </a:p>
-          <a:p>
-            <a:pPr lvl="2"/>
-            <a:r>
-              <a:rPr lang="en-US" dirty="0"/>
-              <a:t>Chance of success updates automatically with each adjustment</a:t>
+              <a:t>of success updates automatically with each adjustment</a:t>
             </a:r>
           </a:p>
         </p:txBody>

--- a/TeamEJJ_Summary.pptx
+++ b/TeamEJJ_Summary.pptx
@@ -169,7 +169,7 @@
           <p:cNvPr id="2" name="Header Placeholder 1">
             <a:extLst>
               <a:ext uri="{FF2B5EF4-FFF2-40B4-BE49-F238E27FC236}">
-                <a16:creationId xmlns:a16="http://schemas.microsoft.com/office/drawing/2014/main" xmlns="" id="{4958D19B-78E4-413E-BC66-293646D7CD75}"/>
+                <a16:creationId xmlns="" xmlns:a16="http://schemas.microsoft.com/office/drawing/2014/main" id="{4958D19B-78E4-413E-BC66-293646D7CD75}"/>
               </a:ext>
             </a:extLst>
           </p:cNvPr>
@@ -206,7 +206,7 @@
           <p:cNvPr id="3" name="Date Placeholder 2">
             <a:extLst>
               <a:ext uri="{FF2B5EF4-FFF2-40B4-BE49-F238E27FC236}">
-                <a16:creationId xmlns:a16="http://schemas.microsoft.com/office/drawing/2014/main" xmlns="" id="{0969C5F0-82EE-47A5-8B10-9CE8E0B7BD22}"/>
+                <a16:creationId xmlns="" xmlns:a16="http://schemas.microsoft.com/office/drawing/2014/main" id="{0969C5F0-82EE-47A5-8B10-9CE8E0B7BD22}"/>
               </a:ext>
             </a:extLst>
           </p:cNvPr>
@@ -236,7 +236,7 @@
           <a:p>
             <a:fld id="{43711186-8B14-4681-A637-AA132258072E}" type="datetimeFigureOut">
               <a:rPr lang="en-US" smtClean="0"/>
-              <a:t>11/15/2021</a:t>
+              <a:t>11/16/2021</a:t>
             </a:fld>
             <a:endParaRPr lang="en-US"/>
           </a:p>
@@ -247,7 +247,7 @@
           <p:cNvPr id="4" name="Footer Placeholder 3">
             <a:extLst>
               <a:ext uri="{FF2B5EF4-FFF2-40B4-BE49-F238E27FC236}">
-                <a16:creationId xmlns:a16="http://schemas.microsoft.com/office/drawing/2014/main" xmlns="" id="{CD4B4307-B935-42D7-8F93-99E51A1CF54D}"/>
+                <a16:creationId xmlns="" xmlns:a16="http://schemas.microsoft.com/office/drawing/2014/main" id="{CD4B4307-B935-42D7-8F93-99E51A1CF54D}"/>
               </a:ext>
             </a:extLst>
           </p:cNvPr>
@@ -284,7 +284,7 @@
           <p:cNvPr id="5" name="Slide Number Placeholder 4">
             <a:extLst>
               <a:ext uri="{FF2B5EF4-FFF2-40B4-BE49-F238E27FC236}">
-                <a16:creationId xmlns:a16="http://schemas.microsoft.com/office/drawing/2014/main" xmlns="" id="{A9A5BBCE-64A3-4221-B231-485756321F03}"/>
+                <a16:creationId xmlns="" xmlns:a16="http://schemas.microsoft.com/office/drawing/2014/main" id="{A9A5BBCE-64A3-4221-B231-485756321F03}"/>
               </a:ext>
             </a:extLst>
           </p:cNvPr>
@@ -413,7 +413,7 @@
           <a:p>
             <a:fld id="{99DC0056-C103-4B33-8E11-3CD948A15D15}" type="datetimeFigureOut">
               <a:rPr lang="en-US" smtClean="0"/>
-              <a:t>11/15/2021</a:t>
+              <a:t>11/16/2021</a:t>
             </a:fld>
             <a:endParaRPr lang="en-US"/>
           </a:p>
@@ -811,7 +811,7 @@
           <a:p>
             <a:fld id="{F0715040-4006-4B81-8E7B-98276F4064AC}" type="datetime1">
               <a:rPr lang="en-US" smtClean="0"/>
-              <a:t>11/15/2021</a:t>
+              <a:t>11/16/2021</a:t>
             </a:fld>
             <a:endParaRPr lang="en-US"/>
           </a:p>
@@ -984,7 +984,7 @@
           <a:p>
             <a:fld id="{1D5F618A-0BD2-4BB4-99EA-CFB1AAE03AA9}" type="datetime1">
               <a:rPr lang="en-US" smtClean="0"/>
-              <a:t>11/15/2021</a:t>
+              <a:t>11/16/2021</a:t>
             </a:fld>
             <a:endParaRPr lang="en-US"/>
           </a:p>
@@ -1167,7 +1167,7 @@
           <a:p>
             <a:fld id="{100A5BE7-7F58-4107-8ADC-D927EA1D52A7}" type="datetime1">
               <a:rPr lang="en-US" smtClean="0"/>
-              <a:t>11/15/2021</a:t>
+              <a:t>11/16/2021</a:t>
             </a:fld>
             <a:endParaRPr lang="en-US"/>
           </a:p>
@@ -1340,7 +1340,7 @@
           <a:p>
             <a:fld id="{79D8393E-8AF1-4411-9688-0598DD3997B2}" type="datetime1">
               <a:rPr lang="en-US" smtClean="0"/>
-              <a:t>11/15/2021</a:t>
+              <a:t>11/16/2021</a:t>
             </a:fld>
             <a:endParaRPr lang="en-US"/>
           </a:p>
@@ -1592,7 +1592,7 @@
           <a:p>
             <a:fld id="{4494A84D-3866-4936-BBE1-CBE8033237A1}" type="datetime1">
               <a:rPr lang="en-US" smtClean="0"/>
-              <a:t>11/15/2021</a:t>
+              <a:t>11/16/2021</a:t>
             </a:fld>
             <a:endParaRPr lang="en-US"/>
           </a:p>
@@ -1827,7 +1827,7 @@
           <a:p>
             <a:fld id="{42EB40C8-0DE5-4916-914B-DE2D9D0DC05C}" type="datetime1">
               <a:rPr lang="en-US" smtClean="0"/>
-              <a:t>11/15/2021</a:t>
+              <a:t>11/16/2021</a:t>
             </a:fld>
             <a:endParaRPr lang="en-US"/>
           </a:p>
@@ -2197,7 +2197,7 @@
           <a:p>
             <a:fld id="{5AD917D3-0AC6-4233-B19C-676F66E35DF8}" type="datetime1">
               <a:rPr lang="en-US" smtClean="0"/>
-              <a:t>11/15/2021</a:t>
+              <a:t>11/16/2021</a:t>
             </a:fld>
             <a:endParaRPr lang="en-US"/>
           </a:p>
@@ -2318,7 +2318,7 @@
           <a:p>
             <a:fld id="{BF6DD421-6F06-402A-9506-A9FC723F6691}" type="datetime1">
               <a:rPr lang="en-US" smtClean="0"/>
-              <a:t>11/15/2021</a:t>
+              <a:t>11/16/2021</a:t>
             </a:fld>
             <a:endParaRPr lang="en-US"/>
           </a:p>
@@ -2416,7 +2416,7 @@
           <a:p>
             <a:fld id="{401633C5-CC45-438A-9A97-49500611ADB4}" type="datetime1">
               <a:rPr lang="en-US" smtClean="0"/>
-              <a:t>11/15/2021</a:t>
+              <a:t>11/16/2021</a:t>
             </a:fld>
             <a:endParaRPr lang="en-US"/>
           </a:p>
@@ -2696,7 +2696,7 @@
           <a:p>
             <a:fld id="{A55CBFFA-D9FC-4C62-8D59-B905B682E156}" type="datetime1">
               <a:rPr lang="en-US" smtClean="0"/>
-              <a:t>11/15/2021</a:t>
+              <a:t>11/16/2021</a:t>
             </a:fld>
             <a:endParaRPr lang="en-US"/>
           </a:p>
@@ -2956,7 +2956,7 @@
           <a:p>
             <a:fld id="{AB188B3F-697A-499E-B335-ABB5D5A4EFC7}" type="datetime1">
               <a:rPr lang="en-US" smtClean="0"/>
-              <a:t>11/15/2021</a:t>
+              <a:t>11/16/2021</a:t>
             </a:fld>
             <a:endParaRPr lang="en-US"/>
           </a:p>
@@ -3172,7 +3172,7 @@
           <a:p>
             <a:fld id="{5FA30516-2700-45A6-8956-A98456AA1844}" type="datetime1">
               <a:rPr lang="en-US" smtClean="0"/>
-              <a:t>11/15/2021</a:t>
+              <a:t>11/16/2021</a:t>
             </a:fld>
             <a:endParaRPr lang="en-US"/>
           </a:p>
@@ -3586,7 +3586,7 @@
           <p:cNvPr id="2" name="Title 1">
             <a:extLst>
               <a:ext uri="{FF2B5EF4-FFF2-40B4-BE49-F238E27FC236}">
-                <a16:creationId xmlns:a16="http://schemas.microsoft.com/office/drawing/2014/main" xmlns="" id="{BA01E277-331D-47A2-8EA1-4BF83C281FCD}"/>
+                <a16:creationId xmlns="" xmlns:a16="http://schemas.microsoft.com/office/drawing/2014/main" id="{BA01E277-331D-47A2-8EA1-4BF83C281FCD}"/>
               </a:ext>
             </a:extLst>
           </p:cNvPr>
@@ -3658,7 +3658,7 @@
           <p:cNvPr id="5" name="Footer Placeholder 4">
             <a:extLst>
               <a:ext uri="{FF2B5EF4-FFF2-40B4-BE49-F238E27FC236}">
-                <a16:creationId xmlns:a16="http://schemas.microsoft.com/office/drawing/2014/main" xmlns="" id="{25C38D51-E1A2-4B23-AFC5-FC39CBEE7E5B}"/>
+                <a16:creationId xmlns="" xmlns:a16="http://schemas.microsoft.com/office/drawing/2014/main" id="{25C38D51-E1A2-4B23-AFC5-FC39CBEE7E5B}"/>
               </a:ext>
             </a:extLst>
           </p:cNvPr>
@@ -3689,7 +3689,7 @@
           <p:cNvPr id="1030" name="Picture 6" descr="Gypsy Curse">
             <a:extLst>
               <a:ext uri="{FF2B5EF4-FFF2-40B4-BE49-F238E27FC236}">
-                <a16:creationId xmlns:a16="http://schemas.microsoft.com/office/drawing/2014/main" xmlns="" id="{B8F9B0D6-6EDF-434B-B198-FE7ED42FDBD8}"/>
+                <a16:creationId xmlns="" xmlns:a16="http://schemas.microsoft.com/office/drawing/2014/main" id="{B8F9B0D6-6EDF-434B-B198-FE7ED42FDBD8}"/>
               </a:ext>
             </a:extLst>
           </p:cNvPr>
@@ -3766,7 +3766,7 @@
           <p:cNvPr id="2" name="Title 1">
             <a:extLst>
               <a:ext uri="{FF2B5EF4-FFF2-40B4-BE49-F238E27FC236}">
-                <a16:creationId xmlns:a16="http://schemas.microsoft.com/office/drawing/2014/main" xmlns="" id="{F2E87793-C400-4D49-AC42-F6C78A28B67D}"/>
+                <a16:creationId xmlns="" xmlns:a16="http://schemas.microsoft.com/office/drawing/2014/main" id="{F2E87793-C400-4D49-AC42-F6C78A28B67D}"/>
               </a:ext>
             </a:extLst>
           </p:cNvPr>
@@ -3794,7 +3794,7 @@
           <p:cNvPr id="3" name="Content Placeholder 2">
             <a:extLst>
               <a:ext uri="{FF2B5EF4-FFF2-40B4-BE49-F238E27FC236}">
-                <a16:creationId xmlns:a16="http://schemas.microsoft.com/office/drawing/2014/main" xmlns="" id="{E29D20E0-73E2-4C61-AF58-2EC3D1B5237C}"/>
+                <a16:creationId xmlns="" xmlns:a16="http://schemas.microsoft.com/office/drawing/2014/main" id="{E29D20E0-73E2-4C61-AF58-2EC3D1B5237C}"/>
               </a:ext>
             </a:extLst>
           </p:cNvPr>
@@ -3836,7 +3836,7 @@
           <p:cNvPr id="4" name="Footer Placeholder 3">
             <a:extLst>
               <a:ext uri="{FF2B5EF4-FFF2-40B4-BE49-F238E27FC236}">
-                <a16:creationId xmlns:a16="http://schemas.microsoft.com/office/drawing/2014/main" xmlns="" id="{C246C6AC-EE9C-4B9F-8926-F862296227DD}"/>
+                <a16:creationId xmlns="" xmlns:a16="http://schemas.microsoft.com/office/drawing/2014/main" id="{C246C6AC-EE9C-4B9F-8926-F862296227DD}"/>
               </a:ext>
             </a:extLst>
           </p:cNvPr>
@@ -3897,7 +3897,7 @@
           <p:cNvPr id="2" name="Title 1">
             <a:extLst>
               <a:ext uri="{FF2B5EF4-FFF2-40B4-BE49-F238E27FC236}">
-                <a16:creationId xmlns:a16="http://schemas.microsoft.com/office/drawing/2014/main" xmlns="" id="{E3B7ADCA-8719-4128-8B4D-881B76C12927}"/>
+                <a16:creationId xmlns="" xmlns:a16="http://schemas.microsoft.com/office/drawing/2014/main" id="{E3B7ADCA-8719-4128-8B4D-881B76C12927}"/>
               </a:ext>
             </a:extLst>
           </p:cNvPr>
@@ -3925,7 +3925,7 @@
           <p:cNvPr id="3" name="Content Placeholder 2">
             <a:extLst>
               <a:ext uri="{FF2B5EF4-FFF2-40B4-BE49-F238E27FC236}">
-                <a16:creationId xmlns:a16="http://schemas.microsoft.com/office/drawing/2014/main" xmlns="" id="{3EC12B63-2CE0-48D4-A136-ADE12373C800}"/>
+                <a16:creationId xmlns="" xmlns:a16="http://schemas.microsoft.com/office/drawing/2014/main" id="{3EC12B63-2CE0-48D4-A136-ADE12373C800}"/>
               </a:ext>
             </a:extLst>
           </p:cNvPr>
@@ -4043,7 +4043,7 @@
           <p:cNvPr id="4" name="Footer Placeholder 3">
             <a:extLst>
               <a:ext uri="{FF2B5EF4-FFF2-40B4-BE49-F238E27FC236}">
-                <a16:creationId xmlns:a16="http://schemas.microsoft.com/office/drawing/2014/main" xmlns="" id="{693782FF-7ED5-4192-A01F-660E4D3EEAB0}"/>
+                <a16:creationId xmlns="" xmlns:a16="http://schemas.microsoft.com/office/drawing/2014/main" id="{693782FF-7ED5-4192-A01F-660E4D3EEAB0}"/>
               </a:ext>
             </a:extLst>
           </p:cNvPr>
@@ -4104,7 +4104,7 @@
           <p:cNvPr id="3" name="Content Placeholder 2">
             <a:extLst>
               <a:ext uri="{FF2B5EF4-FFF2-40B4-BE49-F238E27FC236}">
-                <a16:creationId xmlns:a16="http://schemas.microsoft.com/office/drawing/2014/main" xmlns="" id="{22DDF42D-3D90-4D39-8593-9FBBFEB2E97E}"/>
+                <a16:creationId xmlns="" xmlns:a16="http://schemas.microsoft.com/office/drawing/2014/main" id="{22DDF42D-3D90-4D39-8593-9FBBFEB2E97E}"/>
               </a:ext>
             </a:extLst>
           </p:cNvPr>
@@ -4477,7 +4477,7 @@
           <p:cNvPr id="4" name="Footer Placeholder 3">
             <a:extLst>
               <a:ext uri="{FF2B5EF4-FFF2-40B4-BE49-F238E27FC236}">
-                <a16:creationId xmlns:a16="http://schemas.microsoft.com/office/drawing/2014/main" xmlns="" id="{A002CB46-3E82-46AE-AE99-4D885792F48B}"/>
+                <a16:creationId xmlns="" xmlns:a16="http://schemas.microsoft.com/office/drawing/2014/main" id="{A002CB46-3E82-46AE-AE99-4D885792F48B}"/>
               </a:ext>
             </a:extLst>
           </p:cNvPr>
@@ -4508,7 +4508,7 @@
           <p:cNvPr id="8" name="TextBox 7">
             <a:extLst>
               <a:ext uri="{FF2B5EF4-FFF2-40B4-BE49-F238E27FC236}">
-                <a16:creationId xmlns:a16="http://schemas.microsoft.com/office/drawing/2014/main" xmlns="" id="{CDF35B94-B09E-4223-A496-D1AE1FFA9173}"/>
+                <a16:creationId xmlns="" xmlns:a16="http://schemas.microsoft.com/office/drawing/2014/main" id="{CDF35B94-B09E-4223-A496-D1AE1FFA9173}"/>
               </a:ext>
             </a:extLst>
           </p:cNvPr>
@@ -4731,7 +4731,7 @@
           <p:cNvPr id="3" name="Content Placeholder 2">
             <a:extLst>
               <a:ext uri="{FF2B5EF4-FFF2-40B4-BE49-F238E27FC236}">
-                <a16:creationId xmlns:a16="http://schemas.microsoft.com/office/drawing/2014/main" xmlns="" id="{B23BDF39-9DE8-4B5D-B2E9-28254D0A839C}"/>
+                <a16:creationId xmlns="" xmlns:a16="http://schemas.microsoft.com/office/drawing/2014/main" id="{B23BDF39-9DE8-4B5D-B2E9-28254D0A839C}"/>
               </a:ext>
             </a:extLst>
           </p:cNvPr>
@@ -5040,7 +5040,7 @@
           <p:cNvPr id="4" name="Footer Placeholder 3">
             <a:extLst>
               <a:ext uri="{FF2B5EF4-FFF2-40B4-BE49-F238E27FC236}">
-                <a16:creationId xmlns:a16="http://schemas.microsoft.com/office/drawing/2014/main" xmlns="" id="{CD510718-CD20-420D-9B74-298783B40D42}"/>
+                <a16:creationId xmlns="" xmlns:a16="http://schemas.microsoft.com/office/drawing/2014/main" id="{CD510718-CD20-420D-9B74-298783B40D42}"/>
               </a:ext>
             </a:extLst>
           </p:cNvPr>
@@ -5080,7 +5080,7 @@
           <p:cNvPr id="6" name="TextBox 5">
             <a:extLst>
               <a:ext uri="{FF2B5EF4-FFF2-40B4-BE49-F238E27FC236}">
-                <a16:creationId xmlns:a16="http://schemas.microsoft.com/office/drawing/2014/main" xmlns="" id="{EB3CB662-3D24-4DC7-869F-8ACB83720D30}"/>
+                <a16:creationId xmlns="" xmlns:a16="http://schemas.microsoft.com/office/drawing/2014/main" id="{EB3CB662-3D24-4DC7-869F-8ACB83720D30}"/>
               </a:ext>
             </a:extLst>
           </p:cNvPr>
@@ -5451,7 +5451,7 @@
           <p:cNvPr id="2" name="Title 1">
             <a:extLst>
               <a:ext uri="{FF2B5EF4-FFF2-40B4-BE49-F238E27FC236}">
-                <a16:creationId xmlns:a16="http://schemas.microsoft.com/office/drawing/2014/main" xmlns="" id="{E29B01D6-A7CA-4A3E-9C66-C2AA33322F12}"/>
+                <a16:creationId xmlns="" xmlns:a16="http://schemas.microsoft.com/office/drawing/2014/main" id="{E29B01D6-A7CA-4A3E-9C66-C2AA33322F12}"/>
               </a:ext>
             </a:extLst>
           </p:cNvPr>
@@ -5479,7 +5479,7 @@
           <p:cNvPr id="3" name="Content Placeholder 2">
             <a:extLst>
               <a:ext uri="{FF2B5EF4-FFF2-40B4-BE49-F238E27FC236}">
-                <a16:creationId xmlns:a16="http://schemas.microsoft.com/office/drawing/2014/main" xmlns="" id="{F1842140-4ACB-41A9-BC7F-30570259E5D8}"/>
+                <a16:creationId xmlns="" xmlns:a16="http://schemas.microsoft.com/office/drawing/2014/main" id="{F1842140-4ACB-41A9-BC7F-30570259E5D8}"/>
               </a:ext>
             </a:extLst>
           </p:cNvPr>
@@ -5580,7 +5580,7 @@
           <p:cNvPr id="4" name="Footer Placeholder 3">
             <a:extLst>
               <a:ext uri="{FF2B5EF4-FFF2-40B4-BE49-F238E27FC236}">
-                <a16:creationId xmlns:a16="http://schemas.microsoft.com/office/drawing/2014/main" xmlns="" id="{C401FFE3-F414-4CF5-AD6A-9C2DE5116ED4}"/>
+                <a16:creationId xmlns="" xmlns:a16="http://schemas.microsoft.com/office/drawing/2014/main" id="{C401FFE3-F414-4CF5-AD6A-9C2DE5116ED4}"/>
               </a:ext>
             </a:extLst>
           </p:cNvPr>
@@ -5645,7 +5645,7 @@
           <p:cNvPr id="2" name="Title 1">
             <a:extLst>
               <a:ext uri="{FF2B5EF4-FFF2-40B4-BE49-F238E27FC236}">
-                <a16:creationId xmlns:a16="http://schemas.microsoft.com/office/drawing/2014/main" xmlns="" id="{E29B01D6-A7CA-4A3E-9C66-C2AA33322F12}"/>
+                <a16:creationId xmlns="" xmlns:a16="http://schemas.microsoft.com/office/drawing/2014/main" id="{E29B01D6-A7CA-4A3E-9C66-C2AA33322F12}"/>
               </a:ext>
             </a:extLst>
           </p:cNvPr>
@@ -5673,7 +5673,7 @@
           <p:cNvPr id="3" name="Content Placeholder 2">
             <a:extLst>
               <a:ext uri="{FF2B5EF4-FFF2-40B4-BE49-F238E27FC236}">
-                <a16:creationId xmlns:a16="http://schemas.microsoft.com/office/drawing/2014/main" xmlns="" id="{F1842140-4ACB-41A9-BC7F-30570259E5D8}"/>
+                <a16:creationId xmlns="" xmlns:a16="http://schemas.microsoft.com/office/drawing/2014/main" id="{F1842140-4ACB-41A9-BC7F-30570259E5D8}"/>
               </a:ext>
             </a:extLst>
           </p:cNvPr>
@@ -5747,7 +5747,7 @@
           <p:cNvPr id="4" name="Footer Placeholder 3">
             <a:extLst>
               <a:ext uri="{FF2B5EF4-FFF2-40B4-BE49-F238E27FC236}">
-                <a16:creationId xmlns:a16="http://schemas.microsoft.com/office/drawing/2014/main" xmlns="" id="{C401FFE3-F414-4CF5-AD6A-9C2DE5116ED4}"/>
+                <a16:creationId xmlns="" xmlns:a16="http://schemas.microsoft.com/office/drawing/2014/main" id="{C401FFE3-F414-4CF5-AD6A-9C2DE5116ED4}"/>
               </a:ext>
             </a:extLst>
           </p:cNvPr>
@@ -5812,7 +5812,7 @@
           <p:cNvPr id="2" name="Title 1">
             <a:extLst>
               <a:ext uri="{FF2B5EF4-FFF2-40B4-BE49-F238E27FC236}">
-                <a16:creationId xmlns:a16="http://schemas.microsoft.com/office/drawing/2014/main" xmlns="" id="{E29B01D6-A7CA-4A3E-9C66-C2AA33322F12}"/>
+                <a16:creationId xmlns="" xmlns:a16="http://schemas.microsoft.com/office/drawing/2014/main" id="{E29B01D6-A7CA-4A3E-9C66-C2AA33322F12}"/>
               </a:ext>
             </a:extLst>
           </p:cNvPr>
@@ -5840,7 +5840,7 @@
           <p:cNvPr id="3" name="Content Placeholder 2">
             <a:extLst>
               <a:ext uri="{FF2B5EF4-FFF2-40B4-BE49-F238E27FC236}">
-                <a16:creationId xmlns:a16="http://schemas.microsoft.com/office/drawing/2014/main" xmlns="" id="{F1842140-4ACB-41A9-BC7F-30570259E5D8}"/>
+                <a16:creationId xmlns="" xmlns:a16="http://schemas.microsoft.com/office/drawing/2014/main" id="{F1842140-4ACB-41A9-BC7F-30570259E5D8}"/>
               </a:ext>
             </a:extLst>
           </p:cNvPr>
@@ -5915,7 +5915,7 @@
           <p:cNvPr id="4" name="Footer Placeholder 3">
             <a:extLst>
               <a:ext uri="{FF2B5EF4-FFF2-40B4-BE49-F238E27FC236}">
-                <a16:creationId xmlns:a16="http://schemas.microsoft.com/office/drawing/2014/main" xmlns="" id="{C401FFE3-F414-4CF5-AD6A-9C2DE5116ED4}"/>
+                <a16:creationId xmlns="" xmlns:a16="http://schemas.microsoft.com/office/drawing/2014/main" id="{C401FFE3-F414-4CF5-AD6A-9C2DE5116ED4}"/>
               </a:ext>
             </a:extLst>
           </p:cNvPr>
@@ -5980,7 +5980,7 @@
           <p:cNvPr id="2" name="Title 1">
             <a:extLst>
               <a:ext uri="{FF2B5EF4-FFF2-40B4-BE49-F238E27FC236}">
-                <a16:creationId xmlns:a16="http://schemas.microsoft.com/office/drawing/2014/main" xmlns="" id="{E29B01D6-A7CA-4A3E-9C66-C2AA33322F12}"/>
+                <a16:creationId xmlns="" xmlns:a16="http://schemas.microsoft.com/office/drawing/2014/main" id="{E29B01D6-A7CA-4A3E-9C66-C2AA33322F12}"/>
               </a:ext>
             </a:extLst>
           </p:cNvPr>
@@ -6008,7 +6008,7 @@
           <p:cNvPr id="3" name="Content Placeholder 2">
             <a:extLst>
               <a:ext uri="{FF2B5EF4-FFF2-40B4-BE49-F238E27FC236}">
-                <a16:creationId xmlns:a16="http://schemas.microsoft.com/office/drawing/2014/main" xmlns="" id="{F1842140-4ACB-41A9-BC7F-30570259E5D8}"/>
+                <a16:creationId xmlns="" xmlns:a16="http://schemas.microsoft.com/office/drawing/2014/main" id="{F1842140-4ACB-41A9-BC7F-30570259E5D8}"/>
               </a:ext>
             </a:extLst>
           </p:cNvPr>
@@ -6123,7 +6123,7 @@
           <p:cNvPr id="4" name="Footer Placeholder 3">
             <a:extLst>
               <a:ext uri="{FF2B5EF4-FFF2-40B4-BE49-F238E27FC236}">
-                <a16:creationId xmlns:a16="http://schemas.microsoft.com/office/drawing/2014/main" xmlns="" id="{C401FFE3-F414-4CF5-AD6A-9C2DE5116ED4}"/>
+                <a16:creationId xmlns="" xmlns:a16="http://schemas.microsoft.com/office/drawing/2014/main" id="{C401FFE3-F414-4CF5-AD6A-9C2DE5116ED4}"/>
               </a:ext>
             </a:extLst>
           </p:cNvPr>
@@ -6188,7 +6188,7 @@
           <p:cNvPr id="2" name="Title 1">
             <a:extLst>
               <a:ext uri="{FF2B5EF4-FFF2-40B4-BE49-F238E27FC236}">
-                <a16:creationId xmlns:a16="http://schemas.microsoft.com/office/drawing/2014/main" xmlns="" id="{E29B01D6-A7CA-4A3E-9C66-C2AA33322F12}"/>
+                <a16:creationId xmlns="" xmlns:a16="http://schemas.microsoft.com/office/drawing/2014/main" id="{E29B01D6-A7CA-4A3E-9C66-C2AA33322F12}"/>
               </a:ext>
             </a:extLst>
           </p:cNvPr>
@@ -6216,7 +6216,7 @@
           <p:cNvPr id="3" name="Content Placeholder 2">
             <a:extLst>
               <a:ext uri="{FF2B5EF4-FFF2-40B4-BE49-F238E27FC236}">
-                <a16:creationId xmlns:a16="http://schemas.microsoft.com/office/drawing/2014/main" xmlns="" id="{F1842140-4ACB-41A9-BC7F-30570259E5D8}"/>
+                <a16:creationId xmlns="" xmlns:a16="http://schemas.microsoft.com/office/drawing/2014/main" id="{F1842140-4ACB-41A9-BC7F-30570259E5D8}"/>
               </a:ext>
             </a:extLst>
           </p:cNvPr>
@@ -6310,7 +6310,7 @@
           <p:cNvPr id="4" name="Footer Placeholder 3">
             <a:extLst>
               <a:ext uri="{FF2B5EF4-FFF2-40B4-BE49-F238E27FC236}">
-                <a16:creationId xmlns:a16="http://schemas.microsoft.com/office/drawing/2014/main" xmlns="" id="{C401FFE3-F414-4CF5-AD6A-9C2DE5116ED4}"/>
+                <a16:creationId xmlns="" xmlns:a16="http://schemas.microsoft.com/office/drawing/2014/main" id="{C401FFE3-F414-4CF5-AD6A-9C2DE5116ED4}"/>
               </a:ext>
             </a:extLst>
           </p:cNvPr>
@@ -6536,7 +6536,7 @@
           <p:cNvPr id="21" name="Rectangle 20">
             <a:extLst>
               <a:ext uri="{FF2B5EF4-FFF2-40B4-BE49-F238E27FC236}">
-                <a16:creationId xmlns:a16="http://schemas.microsoft.com/office/drawing/2014/main" xmlns="" id="{1BBC93F8-9A88-7D43-809A-08817DFA32CD}"/>
+                <a16:creationId xmlns="" xmlns:a16="http://schemas.microsoft.com/office/drawing/2014/main" id="{1BBC93F8-9A88-7D43-809A-08817DFA32CD}"/>
               </a:ext>
             </a:extLst>
           </p:cNvPr>
@@ -6588,7 +6588,7 @@
           <p:cNvPr id="2" name="Title 1">
             <a:extLst>
               <a:ext uri="{FF2B5EF4-FFF2-40B4-BE49-F238E27FC236}">
-                <a16:creationId xmlns:a16="http://schemas.microsoft.com/office/drawing/2014/main" xmlns="" id="{C10B98E8-DF30-424F-9AA4-2CF603E51BE2}"/>
+                <a16:creationId xmlns="" xmlns:a16="http://schemas.microsoft.com/office/drawing/2014/main" id="{C10B98E8-DF30-424F-9AA4-2CF603E51BE2}"/>
               </a:ext>
             </a:extLst>
           </p:cNvPr>
@@ -6627,7 +6627,7 @@
           <p:cNvPr id="4" name="Footer Placeholder 3">
             <a:extLst>
               <a:ext uri="{FF2B5EF4-FFF2-40B4-BE49-F238E27FC236}">
-                <a16:creationId xmlns:a16="http://schemas.microsoft.com/office/drawing/2014/main" xmlns="" id="{93AC8D42-FC61-0C4D-AC08-ACE91912D646}"/>
+                <a16:creationId xmlns="" xmlns:a16="http://schemas.microsoft.com/office/drawing/2014/main" id="{93AC8D42-FC61-0C4D-AC08-ACE91912D646}"/>
               </a:ext>
             </a:extLst>
           </p:cNvPr>
@@ -6662,7 +6662,7 @@
           <p:cNvPr id="5" name="Rectangle 4">
             <a:extLst>
               <a:ext uri="{FF2B5EF4-FFF2-40B4-BE49-F238E27FC236}">
-                <a16:creationId xmlns:a16="http://schemas.microsoft.com/office/drawing/2014/main" xmlns="" id="{B88EF572-7D1A-F140-B419-449B31211CC7}"/>
+                <a16:creationId xmlns="" xmlns:a16="http://schemas.microsoft.com/office/drawing/2014/main" id="{B88EF572-7D1A-F140-B419-449B31211CC7}"/>
               </a:ext>
             </a:extLst>
           </p:cNvPr>
@@ -6711,7 +6711,7 @@
           <p:cNvPr id="6" name="Rectangle 5">
             <a:extLst>
               <a:ext uri="{FF2B5EF4-FFF2-40B4-BE49-F238E27FC236}">
-                <a16:creationId xmlns:a16="http://schemas.microsoft.com/office/drawing/2014/main" xmlns="" id="{93D4011A-CB18-EE46-A3D4-0C33E088F611}"/>
+                <a16:creationId xmlns="" xmlns:a16="http://schemas.microsoft.com/office/drawing/2014/main" id="{93D4011A-CB18-EE46-A3D4-0C33E088F611}"/>
               </a:ext>
             </a:extLst>
           </p:cNvPr>
@@ -6760,7 +6760,7 @@
           <p:cNvPr id="9" name="Rectangle 8">
             <a:extLst>
               <a:ext uri="{FF2B5EF4-FFF2-40B4-BE49-F238E27FC236}">
-                <a16:creationId xmlns:a16="http://schemas.microsoft.com/office/drawing/2014/main" xmlns="" id="{5CE55A7B-07C8-9244-8402-30F8109A0DD2}"/>
+                <a16:creationId xmlns="" xmlns:a16="http://schemas.microsoft.com/office/drawing/2014/main" id="{5CE55A7B-07C8-9244-8402-30F8109A0DD2}"/>
               </a:ext>
             </a:extLst>
           </p:cNvPr>
@@ -6809,7 +6809,7 @@
           <p:cNvPr id="10" name="Rectangle 9">
             <a:extLst>
               <a:ext uri="{FF2B5EF4-FFF2-40B4-BE49-F238E27FC236}">
-                <a16:creationId xmlns:a16="http://schemas.microsoft.com/office/drawing/2014/main" xmlns="" id="{9BD5EF10-EE9A-824B-A36B-92B57FA62FBA}"/>
+                <a16:creationId xmlns="" xmlns:a16="http://schemas.microsoft.com/office/drawing/2014/main" id="{9BD5EF10-EE9A-824B-A36B-92B57FA62FBA}"/>
               </a:ext>
             </a:extLst>
           </p:cNvPr>
@@ -6858,7 +6858,7 @@
           <p:cNvPr id="16" name="TextBox 15">
             <a:extLst>
               <a:ext uri="{FF2B5EF4-FFF2-40B4-BE49-F238E27FC236}">
-                <a16:creationId xmlns:a16="http://schemas.microsoft.com/office/drawing/2014/main" xmlns="" id="{29764E28-5AC0-E348-8375-24DCFD11AB51}"/>
+                <a16:creationId xmlns="" xmlns:a16="http://schemas.microsoft.com/office/drawing/2014/main" id="{29764E28-5AC0-E348-8375-24DCFD11AB51}"/>
               </a:ext>
             </a:extLst>
           </p:cNvPr>
@@ -6893,7 +6893,7 @@
           <p:cNvPr id="20" name="Rectangle 19">
             <a:extLst>
               <a:ext uri="{FF2B5EF4-FFF2-40B4-BE49-F238E27FC236}">
-                <a16:creationId xmlns:a16="http://schemas.microsoft.com/office/drawing/2014/main" xmlns="" id="{06021E6A-9A2D-234E-B4A9-F807793173EB}"/>
+                <a16:creationId xmlns="" xmlns:a16="http://schemas.microsoft.com/office/drawing/2014/main" id="{06021E6A-9A2D-234E-B4A9-F807793173EB}"/>
               </a:ext>
             </a:extLst>
           </p:cNvPr>
@@ -6942,7 +6942,7 @@
           <p:cNvPr id="22" name="Rectangle 21">
             <a:extLst>
               <a:ext uri="{FF2B5EF4-FFF2-40B4-BE49-F238E27FC236}">
-                <a16:creationId xmlns:a16="http://schemas.microsoft.com/office/drawing/2014/main" xmlns="" id="{4195740A-F87C-8747-ADF5-7079F2FEC3CC}"/>
+                <a16:creationId xmlns="" xmlns:a16="http://schemas.microsoft.com/office/drawing/2014/main" id="{4195740A-F87C-8747-ADF5-7079F2FEC3CC}"/>
               </a:ext>
             </a:extLst>
           </p:cNvPr>
@@ -6991,7 +6991,7 @@
           <p:cNvPr id="29" name="Rectangle 28">
             <a:extLst>
               <a:ext uri="{FF2B5EF4-FFF2-40B4-BE49-F238E27FC236}">
-                <a16:creationId xmlns:a16="http://schemas.microsoft.com/office/drawing/2014/main" xmlns="" id="{0127AA96-766F-394B-8FF4-48557EF98795}"/>
+                <a16:creationId xmlns="" xmlns:a16="http://schemas.microsoft.com/office/drawing/2014/main" id="{0127AA96-766F-394B-8FF4-48557EF98795}"/>
               </a:ext>
             </a:extLst>
           </p:cNvPr>
@@ -7040,7 +7040,7 @@
           <p:cNvPr id="60" name="TextBox 59">
             <a:extLst>
               <a:ext uri="{FF2B5EF4-FFF2-40B4-BE49-F238E27FC236}">
-                <a16:creationId xmlns:a16="http://schemas.microsoft.com/office/drawing/2014/main" xmlns="" id="{7802B729-F4A0-2C48-B00C-80BD37B6349E}"/>
+                <a16:creationId xmlns="" xmlns:a16="http://schemas.microsoft.com/office/drawing/2014/main" id="{7802B729-F4A0-2C48-B00C-80BD37B6349E}"/>
               </a:ext>
             </a:extLst>
           </p:cNvPr>
@@ -7075,7 +7075,7 @@
           <p:cNvPr id="61" name="Rectangle 60">
             <a:extLst>
               <a:ext uri="{FF2B5EF4-FFF2-40B4-BE49-F238E27FC236}">
-                <a16:creationId xmlns:a16="http://schemas.microsoft.com/office/drawing/2014/main" xmlns="" id="{48D60052-708E-C34F-84A7-1A882A25505C}"/>
+                <a16:creationId xmlns="" xmlns:a16="http://schemas.microsoft.com/office/drawing/2014/main" id="{48D60052-708E-C34F-84A7-1A882A25505C}"/>
               </a:ext>
             </a:extLst>
           </p:cNvPr>
@@ -7127,7 +7127,7 @@
           <p:cNvPr id="66" name="Elbow Connector 65">
             <a:extLst>
               <a:ext uri="{FF2B5EF4-FFF2-40B4-BE49-F238E27FC236}">
-                <a16:creationId xmlns:a16="http://schemas.microsoft.com/office/drawing/2014/main" xmlns="" id="{E23DE534-EFF6-9F45-A704-A98E06E6EA85}"/>
+                <a16:creationId xmlns="" xmlns:a16="http://schemas.microsoft.com/office/drawing/2014/main" id="{E23DE534-EFF6-9F45-A704-A98E06E6EA85}"/>
               </a:ext>
             </a:extLst>
           </p:cNvPr>
@@ -7171,7 +7171,7 @@
           <p:cNvPr id="77" name="Elbow Connector 76">
             <a:extLst>
               <a:ext uri="{FF2B5EF4-FFF2-40B4-BE49-F238E27FC236}">
-                <a16:creationId xmlns:a16="http://schemas.microsoft.com/office/drawing/2014/main" xmlns="" id="{EA2FE1D0-C65F-5A45-97E4-C22CB497FDF4}"/>
+                <a16:creationId xmlns="" xmlns:a16="http://schemas.microsoft.com/office/drawing/2014/main" id="{EA2FE1D0-C65F-5A45-97E4-C22CB497FDF4}"/>
               </a:ext>
             </a:extLst>
           </p:cNvPr>
@@ -7217,7 +7217,7 @@
           <p:cNvPr id="81" name="Elbow Connector 80">
             <a:extLst>
               <a:ext uri="{FF2B5EF4-FFF2-40B4-BE49-F238E27FC236}">
-                <a16:creationId xmlns:a16="http://schemas.microsoft.com/office/drawing/2014/main" xmlns="" id="{34C296A8-F58C-0540-956C-C16A4DD25E64}"/>
+                <a16:creationId xmlns="" xmlns:a16="http://schemas.microsoft.com/office/drawing/2014/main" id="{34C296A8-F58C-0540-956C-C16A4DD25E64}"/>
               </a:ext>
             </a:extLst>
           </p:cNvPr>
@@ -7263,7 +7263,7 @@
           <p:cNvPr id="14" name="Flowchart: Magnetic Disk 13">
             <a:extLst>
               <a:ext uri="{FF2B5EF4-FFF2-40B4-BE49-F238E27FC236}">
-                <a16:creationId xmlns:a16="http://schemas.microsoft.com/office/drawing/2014/main" xmlns="" id="{BEDD0129-00FD-4D25-9E2F-6C2055EB2242}"/>
+                <a16:creationId xmlns="" xmlns:a16="http://schemas.microsoft.com/office/drawing/2014/main" id="{BEDD0129-00FD-4D25-9E2F-6C2055EB2242}"/>
               </a:ext>
             </a:extLst>
           </p:cNvPr>
@@ -7312,7 +7312,7 @@
           <p:cNvPr id="23" name="Straight Arrow Connector 22">
             <a:extLst>
               <a:ext uri="{FF2B5EF4-FFF2-40B4-BE49-F238E27FC236}">
-                <a16:creationId xmlns:a16="http://schemas.microsoft.com/office/drawing/2014/main" xmlns="" id="{6706A756-8C84-43AE-A1ED-06AC41BAA32E}"/>
+                <a16:creationId xmlns="" xmlns:a16="http://schemas.microsoft.com/office/drawing/2014/main" id="{6706A756-8C84-43AE-A1ED-06AC41BAA32E}"/>
               </a:ext>
             </a:extLst>
           </p:cNvPr>
@@ -7415,7 +7415,7 @@
           <p:cNvPr id="33" name="Rectangle 32">
             <a:extLst>
               <a:ext uri="{FF2B5EF4-FFF2-40B4-BE49-F238E27FC236}">
-                <a16:creationId xmlns:a16="http://schemas.microsoft.com/office/drawing/2014/main" xmlns="" id="{06021E6A-9A2D-234E-B4A9-F807793173EB}"/>
+                <a16:creationId xmlns="" xmlns:a16="http://schemas.microsoft.com/office/drawing/2014/main" id="{06021E6A-9A2D-234E-B4A9-F807793173EB}"/>
               </a:ext>
             </a:extLst>
           </p:cNvPr>
@@ -7465,7 +7465,7 @@
           <p:cNvPr id="34" name="Rectangle 33">
             <a:extLst>
               <a:ext uri="{FF2B5EF4-FFF2-40B4-BE49-F238E27FC236}">
-                <a16:creationId xmlns:a16="http://schemas.microsoft.com/office/drawing/2014/main" xmlns="" id="{4195740A-F87C-8747-ADF5-7079F2FEC3CC}"/>
+                <a16:creationId xmlns="" xmlns:a16="http://schemas.microsoft.com/office/drawing/2014/main" id="{4195740A-F87C-8747-ADF5-7079F2FEC3CC}"/>
               </a:ext>
             </a:extLst>
           </p:cNvPr>
@@ -7515,7 +7515,7 @@
           <p:cNvPr id="35" name="Rectangle 34">
             <a:extLst>
               <a:ext uri="{FF2B5EF4-FFF2-40B4-BE49-F238E27FC236}">
-                <a16:creationId xmlns:a16="http://schemas.microsoft.com/office/drawing/2014/main" xmlns="" id="{0127AA96-766F-394B-8FF4-48557EF98795}"/>
+                <a16:creationId xmlns="" xmlns:a16="http://schemas.microsoft.com/office/drawing/2014/main" id="{0127AA96-766F-394B-8FF4-48557EF98795}"/>
               </a:ext>
             </a:extLst>
           </p:cNvPr>
@@ -7565,7 +7565,7 @@
           <p:cNvPr id="36" name="TextBox 35">
             <a:extLst>
               <a:ext uri="{FF2B5EF4-FFF2-40B4-BE49-F238E27FC236}">
-                <a16:creationId xmlns:a16="http://schemas.microsoft.com/office/drawing/2014/main" xmlns="" id="{7802B729-F4A0-2C48-B00C-80BD37B6349E}"/>
+                <a16:creationId xmlns="" xmlns:a16="http://schemas.microsoft.com/office/drawing/2014/main" id="{7802B729-F4A0-2C48-B00C-80BD37B6349E}"/>
               </a:ext>
             </a:extLst>
           </p:cNvPr>
@@ -7600,7 +7600,7 @@
           <p:cNvPr id="37" name="Rectangle 36">
             <a:extLst>
               <a:ext uri="{FF2B5EF4-FFF2-40B4-BE49-F238E27FC236}">
-                <a16:creationId xmlns:a16="http://schemas.microsoft.com/office/drawing/2014/main" xmlns="" id="{06021E6A-9A2D-234E-B4A9-F807793173EB}"/>
+                <a16:creationId xmlns="" xmlns:a16="http://schemas.microsoft.com/office/drawing/2014/main" id="{06021E6A-9A2D-234E-B4A9-F807793173EB}"/>
               </a:ext>
             </a:extLst>
           </p:cNvPr>
@@ -7639,11 +7639,7 @@
             <a:pPr algn="ctr"/>
             <a:r>
               <a:rPr lang="en-US" dirty="0" smtClean="0"/>
-              <a:t>Weapon </a:t>
-            </a:r>
-            <a:r>
-              <a:rPr lang="en-US" dirty="0" smtClean="0"/>
-              <a:t>1</a:t>
+              <a:t>Weapon 1</a:t>
             </a:r>
             <a:endParaRPr lang="en-US" dirty="0"/>
           </a:p>
@@ -7654,7 +7650,7 @@
           <p:cNvPr id="38" name="Rectangle 37">
             <a:extLst>
               <a:ext uri="{FF2B5EF4-FFF2-40B4-BE49-F238E27FC236}">
-                <a16:creationId xmlns:a16="http://schemas.microsoft.com/office/drawing/2014/main" xmlns="" id="{4195740A-F87C-8747-ADF5-7079F2FEC3CC}"/>
+                <a16:creationId xmlns="" xmlns:a16="http://schemas.microsoft.com/office/drawing/2014/main" id="{4195740A-F87C-8747-ADF5-7079F2FEC3CC}"/>
               </a:ext>
             </a:extLst>
           </p:cNvPr>
@@ -7704,7 +7700,7 @@
           <p:cNvPr id="39" name="Rectangle 38">
             <a:extLst>
               <a:ext uri="{FF2B5EF4-FFF2-40B4-BE49-F238E27FC236}">
-                <a16:creationId xmlns:a16="http://schemas.microsoft.com/office/drawing/2014/main" xmlns="" id="{0127AA96-766F-394B-8FF4-48557EF98795}"/>
+                <a16:creationId xmlns="" xmlns:a16="http://schemas.microsoft.com/office/drawing/2014/main" id="{0127AA96-766F-394B-8FF4-48557EF98795}"/>
               </a:ext>
             </a:extLst>
           </p:cNvPr>
@@ -7754,7 +7750,7 @@
           <p:cNvPr id="40" name="TextBox 39">
             <a:extLst>
               <a:ext uri="{FF2B5EF4-FFF2-40B4-BE49-F238E27FC236}">
-                <a16:creationId xmlns:a16="http://schemas.microsoft.com/office/drawing/2014/main" xmlns="" id="{7802B729-F4A0-2C48-B00C-80BD37B6349E}"/>
+                <a16:creationId xmlns="" xmlns:a16="http://schemas.microsoft.com/office/drawing/2014/main" id="{7802B729-F4A0-2C48-B00C-80BD37B6349E}"/>
               </a:ext>
             </a:extLst>
           </p:cNvPr>
@@ -7803,7 +7799,7 @@
             <p:cNvPr id="17" name="Rectangle 16">
               <a:extLst>
                 <a:ext uri="{FF2B5EF4-FFF2-40B4-BE49-F238E27FC236}">
-                  <a16:creationId xmlns:a16="http://schemas.microsoft.com/office/drawing/2014/main" xmlns="" id="{145F70D7-0AC1-AF46-83A4-B57B7DD63472}"/>
+                  <a16:creationId xmlns="" xmlns:a16="http://schemas.microsoft.com/office/drawing/2014/main" id="{145F70D7-0AC1-AF46-83A4-B57B7DD63472}"/>
                 </a:ext>
               </a:extLst>
             </p:cNvPr>
@@ -7857,7 +7853,7 @@
             <p:cNvPr id="18" name="Rectangle 17">
               <a:extLst>
                 <a:ext uri="{FF2B5EF4-FFF2-40B4-BE49-F238E27FC236}">
-                  <a16:creationId xmlns:a16="http://schemas.microsoft.com/office/drawing/2014/main" xmlns="" id="{6C107317-AE96-3E4B-9943-BA76EB4F5366}"/>
+                  <a16:creationId xmlns="" xmlns:a16="http://schemas.microsoft.com/office/drawing/2014/main" id="{6C107317-AE96-3E4B-9943-BA76EB4F5366}"/>
                 </a:ext>
               </a:extLst>
             </p:cNvPr>
@@ -7918,7 +7914,7 @@
             <p:cNvPr id="19" name="Rectangle 18">
               <a:extLst>
                 <a:ext uri="{FF2B5EF4-FFF2-40B4-BE49-F238E27FC236}">
-                  <a16:creationId xmlns:a16="http://schemas.microsoft.com/office/drawing/2014/main" xmlns="" id="{BF7845A2-8B7D-5543-97A8-535B0123AA1E}"/>
+                  <a16:creationId xmlns="" xmlns:a16="http://schemas.microsoft.com/office/drawing/2014/main" id="{BF7845A2-8B7D-5543-97A8-535B0123AA1E}"/>
                 </a:ext>
               </a:extLst>
             </p:cNvPr>
@@ -7966,11 +7962,6 @@
                 </a:rPr>
                 <a:t>Add/Delete Pilots</a:t>
               </a:r>
-              <a:endParaRPr lang="en-US" dirty="0">
-                <a:solidFill>
-                  <a:srgbClr val="00B050"/>
-                </a:solidFill>
-              </a:endParaRPr>
             </a:p>
           </p:txBody>
         </p:sp>
@@ -7979,7 +7970,7 @@
             <p:cNvPr id="85" name="Rectangle 84">
               <a:extLst>
                 <a:ext uri="{FF2B5EF4-FFF2-40B4-BE49-F238E27FC236}">
-                  <a16:creationId xmlns:a16="http://schemas.microsoft.com/office/drawing/2014/main" xmlns="" id="{30F14371-242C-6B45-A05D-F2D4ADCC4B76}"/>
+                  <a16:creationId xmlns="" xmlns:a16="http://schemas.microsoft.com/office/drawing/2014/main" id="{30F14371-242C-6B45-A05D-F2D4ADCC4B76}"/>
                 </a:ext>
               </a:extLst>
             </p:cNvPr>
@@ -8020,22 +8011,22 @@
             <a:p>
               <a:pPr algn="ctr"/>
               <a:r>
-                <a:rPr lang="en-US" dirty="0">
+                <a:rPr lang="en-US" sz="1600" dirty="0" smtClean="0">
                   <a:solidFill>
                     <a:srgbClr val="00B050"/>
                   </a:solidFill>
                 </a:rPr>
-                <a:t>Add/Delete </a:t>
+                <a:t>Add/Delete/ Modify </a:t>
               </a:r>
               <a:r>
-                <a:rPr lang="en-US" dirty="0" smtClean="0">
+                <a:rPr lang="en-US" sz="1600" dirty="0" smtClean="0">
                   <a:solidFill>
                     <a:srgbClr val="00B050"/>
                   </a:solidFill>
                 </a:rPr>
                 <a:t>Targets</a:t>
               </a:r>
-              <a:endParaRPr lang="en-US" dirty="0">
+              <a:endParaRPr lang="en-US" sz="1600" dirty="0">
                 <a:solidFill>
                   <a:srgbClr val="00B050"/>
                 </a:solidFill>
@@ -8048,7 +8039,7 @@
             <p:cNvPr id="86" name="Rectangle 85">
               <a:extLst>
                 <a:ext uri="{FF2B5EF4-FFF2-40B4-BE49-F238E27FC236}">
-                  <a16:creationId xmlns:a16="http://schemas.microsoft.com/office/drawing/2014/main" xmlns="" id="{E52ACF4A-BE94-E544-9A38-718C09CB9074}"/>
+                  <a16:creationId xmlns="" xmlns:a16="http://schemas.microsoft.com/office/drawing/2014/main" id="{E52ACF4A-BE94-E544-9A38-718C09CB9074}"/>
                 </a:ext>
               </a:extLst>
             </p:cNvPr>
@@ -8117,7 +8108,7 @@
             <p:cNvPr id="87" name="Rectangle 86">
               <a:extLst>
                 <a:ext uri="{FF2B5EF4-FFF2-40B4-BE49-F238E27FC236}">
-                  <a16:creationId xmlns:a16="http://schemas.microsoft.com/office/drawing/2014/main" xmlns="" id="{4AE79B28-5F12-D149-B662-ABA275AC7830}"/>
+                  <a16:creationId xmlns="" xmlns:a16="http://schemas.microsoft.com/office/drawing/2014/main" id="{4AE79B28-5F12-D149-B662-ABA275AC7830}"/>
                 </a:ext>
               </a:extLst>
             </p:cNvPr>
@@ -8178,7 +8169,7 @@
             <p:cNvPr id="89" name="Rectangle 88">
               <a:extLst>
                 <a:ext uri="{FF2B5EF4-FFF2-40B4-BE49-F238E27FC236}">
-                  <a16:creationId xmlns:a16="http://schemas.microsoft.com/office/drawing/2014/main" xmlns="" id="{CF975997-9019-BC40-9E43-7EB374795C77}"/>
+                  <a16:creationId xmlns="" xmlns:a16="http://schemas.microsoft.com/office/drawing/2014/main" id="{CF975997-9019-BC40-9E43-7EB374795C77}"/>
                 </a:ext>
               </a:extLst>
             </p:cNvPr>
@@ -8247,7 +8238,7 @@
             <p:cNvPr id="98" name="Rectangle 97">
               <a:extLst>
                 <a:ext uri="{FF2B5EF4-FFF2-40B4-BE49-F238E27FC236}">
-                  <a16:creationId xmlns:a16="http://schemas.microsoft.com/office/drawing/2014/main" xmlns="" id="{28FA50C8-5687-1D4B-886B-50D3BAE6824A}"/>
+                  <a16:creationId xmlns="" xmlns:a16="http://schemas.microsoft.com/office/drawing/2014/main" id="{28FA50C8-5687-1D4B-886B-50D3BAE6824A}"/>
                 </a:ext>
               </a:extLst>
             </p:cNvPr>
@@ -8295,11 +8286,6 @@
                 </a:rPr>
                 <a:t>Add Targets through ATO</a:t>
               </a:r>
-              <a:endParaRPr lang="en-US" dirty="0">
-                <a:solidFill>
-                  <a:srgbClr val="00B050"/>
-                </a:solidFill>
-              </a:endParaRPr>
             </a:p>
           </p:txBody>
         </p:sp>
@@ -8308,7 +8294,7 @@
             <p:cNvPr id="99" name="Rectangle 98">
               <a:extLst>
                 <a:ext uri="{FF2B5EF4-FFF2-40B4-BE49-F238E27FC236}">
-                  <a16:creationId xmlns:a16="http://schemas.microsoft.com/office/drawing/2014/main" xmlns="" id="{FE2C2A62-885F-8344-9E4B-C39D579D1132}"/>
+                  <a16:creationId xmlns="" xmlns:a16="http://schemas.microsoft.com/office/drawing/2014/main" id="{FE2C2A62-885F-8344-9E4B-C39D579D1132}"/>
                 </a:ext>
               </a:extLst>
             </p:cNvPr>
@@ -8356,11 +8342,6 @@
                 </a:rPr>
                 <a:t>Add/Delete Constraints</a:t>
               </a:r>
-              <a:endParaRPr lang="en-US" dirty="0">
-                <a:solidFill>
-                  <a:srgbClr val="00B050"/>
-                </a:solidFill>
-              </a:endParaRPr>
             </a:p>
           </p:txBody>
         </p:sp>
@@ -8369,7 +8350,7 @@
             <p:cNvPr id="42" name="Rectangle 41">
               <a:extLst>
                 <a:ext uri="{FF2B5EF4-FFF2-40B4-BE49-F238E27FC236}">
-                  <a16:creationId xmlns:a16="http://schemas.microsoft.com/office/drawing/2014/main" xmlns="" id="{50E3D0F9-7B4A-406C-ACDE-31C63D8C5AE9}"/>
+                  <a16:creationId xmlns="" xmlns:a16="http://schemas.microsoft.com/office/drawing/2014/main" id="{50E3D0F9-7B4A-406C-ACDE-31C63D8C5AE9}"/>
                 </a:ext>
               </a:extLst>
             </p:cNvPr>
@@ -8417,11 +8398,6 @@
                 </a:rPr>
                 <a:t>Push Notifications</a:t>
               </a:r>
-              <a:endParaRPr lang="en-US" dirty="0">
-                <a:solidFill>
-                  <a:srgbClr val="00B050"/>
-                </a:solidFill>
-              </a:endParaRPr>
             </a:p>
           </p:txBody>
         </p:sp>
@@ -8430,7 +8406,7 @@
             <p:cNvPr id="47" name="Rectangle 46">
               <a:extLst>
                 <a:ext uri="{FF2B5EF4-FFF2-40B4-BE49-F238E27FC236}">
-                  <a16:creationId xmlns:a16="http://schemas.microsoft.com/office/drawing/2014/main" xmlns="" id="{28FA50C8-5687-1D4B-886B-50D3BAE6824A}"/>
+                  <a16:creationId xmlns="" xmlns:a16="http://schemas.microsoft.com/office/drawing/2014/main" id="{28FA50C8-5687-1D4B-886B-50D3BAE6824A}"/>
                 </a:ext>
               </a:extLst>
             </p:cNvPr>
@@ -8491,7 +8467,7 @@
             <p:cNvPr id="50" name="Rectangle 49">
               <a:extLst>
                 <a:ext uri="{FF2B5EF4-FFF2-40B4-BE49-F238E27FC236}">
-                  <a16:creationId xmlns:a16="http://schemas.microsoft.com/office/drawing/2014/main" xmlns="" id="{50E3D0F9-7B4A-406C-ACDE-31C63D8C5AE9}"/>
+                  <a16:creationId xmlns="" xmlns:a16="http://schemas.microsoft.com/office/drawing/2014/main" id="{50E3D0F9-7B4A-406C-ACDE-31C63D8C5AE9}"/>
                 </a:ext>
               </a:extLst>
             </p:cNvPr>
@@ -8547,7 +8523,7 @@
             <p:cNvPr id="51" name="Rectangle 50">
               <a:extLst>
                 <a:ext uri="{FF2B5EF4-FFF2-40B4-BE49-F238E27FC236}">
-                  <a16:creationId xmlns:a16="http://schemas.microsoft.com/office/drawing/2014/main" xmlns="" id="{FE2C2A62-885F-8344-9E4B-C39D579D1132}"/>
+                  <a16:creationId xmlns="" xmlns:a16="http://schemas.microsoft.com/office/drawing/2014/main" id="{FE2C2A62-885F-8344-9E4B-C39D579D1132}"/>
                 </a:ext>
               </a:extLst>
             </p:cNvPr>
@@ -8914,7 +8890,19 @@
             <a:pPr lvl="1"/>
             <a:r>
               <a:rPr lang="en-US" dirty="0"/>
-              <a:t>Repositioning adds extra jets/pilots to the chose jets/pilots lists</a:t>
+              <a:t>Repositioning adds extra jets/pilots to </a:t>
+            </a:r>
+            <a:r>
+              <a:rPr lang="en-US"/>
+              <a:t>the </a:t>
+            </a:r>
+            <a:r>
+              <a:rPr lang="en-US" smtClean="0"/>
+              <a:t>chosen </a:t>
+            </a:r>
+            <a:r>
+              <a:rPr lang="en-US" dirty="0"/>
+              <a:t>jets/pilots lists</a:t>
             </a:r>
           </a:p>
         </p:txBody>
@@ -9180,7 +9168,7 @@
           <p:cNvPr id="5" name="Picture 4">
             <a:extLst>
               <a:ext uri="{FF2B5EF4-FFF2-40B4-BE49-F238E27FC236}">
-                <a16:creationId xmlns:a16="http://schemas.microsoft.com/office/drawing/2014/main" xmlns="" id="{730A5ED8-C30C-4DFA-901F-9CC7956B4B70}"/>
+                <a16:creationId xmlns="" xmlns:a16="http://schemas.microsoft.com/office/drawing/2014/main" id="{730A5ED8-C30C-4DFA-901F-9CC7956B4B70}"/>
               </a:ext>
             </a:extLst>
           </p:cNvPr>
@@ -9224,7 +9212,7 @@
             <p:cNvPr id="7" name="Rectangle 6">
               <a:extLst>
                 <a:ext uri="{FF2B5EF4-FFF2-40B4-BE49-F238E27FC236}">
-                  <a16:creationId xmlns:a16="http://schemas.microsoft.com/office/drawing/2014/main" xmlns="" id="{145F70D7-0AC1-AF46-83A4-B57B7DD63472}"/>
+                  <a16:creationId xmlns="" xmlns:a16="http://schemas.microsoft.com/office/drawing/2014/main" id="{145F70D7-0AC1-AF46-83A4-B57B7DD63472}"/>
                 </a:ext>
               </a:extLst>
             </p:cNvPr>
@@ -9278,7 +9266,7 @@
             <p:cNvPr id="8" name="Rectangle 7">
               <a:extLst>
                 <a:ext uri="{FF2B5EF4-FFF2-40B4-BE49-F238E27FC236}">
-                  <a16:creationId xmlns:a16="http://schemas.microsoft.com/office/drawing/2014/main" xmlns="" id="{6C107317-AE96-3E4B-9943-BA76EB4F5366}"/>
+                  <a16:creationId xmlns="" xmlns:a16="http://schemas.microsoft.com/office/drawing/2014/main" id="{6C107317-AE96-3E4B-9943-BA76EB4F5366}"/>
                 </a:ext>
               </a:extLst>
             </p:cNvPr>
@@ -9339,7 +9327,7 @@
             <p:cNvPr id="9" name="Rectangle 8">
               <a:extLst>
                 <a:ext uri="{FF2B5EF4-FFF2-40B4-BE49-F238E27FC236}">
-                  <a16:creationId xmlns:a16="http://schemas.microsoft.com/office/drawing/2014/main" xmlns="" id="{BF7845A2-8B7D-5543-97A8-535B0123AA1E}"/>
+                  <a16:creationId xmlns="" xmlns:a16="http://schemas.microsoft.com/office/drawing/2014/main" id="{BF7845A2-8B7D-5543-97A8-535B0123AA1E}"/>
                 </a:ext>
               </a:extLst>
             </p:cNvPr>
@@ -9387,11 +9375,6 @@
                 </a:rPr>
                 <a:t>Add/Delete Pilots</a:t>
               </a:r>
-              <a:endParaRPr lang="en-US" sz="600" dirty="0">
-                <a:solidFill>
-                  <a:srgbClr val="00B050"/>
-                </a:solidFill>
-              </a:endParaRPr>
             </a:p>
           </p:txBody>
         </p:sp>
@@ -9400,7 +9383,7 @@
             <p:cNvPr id="10" name="Rectangle 9">
               <a:extLst>
                 <a:ext uri="{FF2B5EF4-FFF2-40B4-BE49-F238E27FC236}">
-                  <a16:creationId xmlns:a16="http://schemas.microsoft.com/office/drawing/2014/main" xmlns="" id="{30F14371-242C-6B45-A05D-F2D4ADCC4B76}"/>
+                  <a16:creationId xmlns="" xmlns:a16="http://schemas.microsoft.com/office/drawing/2014/main" id="{30F14371-242C-6B45-A05D-F2D4ADCC4B76}"/>
                 </a:ext>
               </a:extLst>
             </p:cNvPr>
@@ -9441,12 +9424,12 @@
             <a:p>
               <a:pPr algn="ctr"/>
               <a:r>
-                <a:rPr lang="en-US" sz="600" dirty="0">
+                <a:rPr lang="en-US" sz="600" dirty="0" smtClean="0">
                   <a:solidFill>
                     <a:srgbClr val="00B050"/>
                   </a:solidFill>
                 </a:rPr>
-                <a:t>Add/Delete </a:t>
+                <a:t>Add/Delete /Modify </a:t>
               </a:r>
               <a:r>
                 <a:rPr lang="en-US" sz="600" dirty="0" smtClean="0">
@@ -9469,7 +9452,7 @@
             <p:cNvPr id="11" name="Rectangle 10">
               <a:extLst>
                 <a:ext uri="{FF2B5EF4-FFF2-40B4-BE49-F238E27FC236}">
-                  <a16:creationId xmlns:a16="http://schemas.microsoft.com/office/drawing/2014/main" xmlns="" id="{E52ACF4A-BE94-E544-9A38-718C09CB9074}"/>
+                  <a16:creationId xmlns="" xmlns:a16="http://schemas.microsoft.com/office/drawing/2014/main" id="{E52ACF4A-BE94-E544-9A38-718C09CB9074}"/>
                 </a:ext>
               </a:extLst>
             </p:cNvPr>
@@ -9538,7 +9521,7 @@
             <p:cNvPr id="12" name="Rectangle 11">
               <a:extLst>
                 <a:ext uri="{FF2B5EF4-FFF2-40B4-BE49-F238E27FC236}">
-                  <a16:creationId xmlns:a16="http://schemas.microsoft.com/office/drawing/2014/main" xmlns="" id="{4AE79B28-5F12-D149-B662-ABA275AC7830}"/>
+                  <a16:creationId xmlns="" xmlns:a16="http://schemas.microsoft.com/office/drawing/2014/main" id="{4AE79B28-5F12-D149-B662-ABA275AC7830}"/>
                 </a:ext>
               </a:extLst>
             </p:cNvPr>
@@ -9586,11 +9569,6 @@
                 </a:rPr>
                 <a:t>Run Target Order Algorithm</a:t>
               </a:r>
-              <a:endParaRPr lang="en-US" sz="600" dirty="0">
-                <a:solidFill>
-                  <a:srgbClr val="00B050"/>
-                </a:solidFill>
-              </a:endParaRPr>
             </a:p>
           </p:txBody>
         </p:sp>
@@ -9599,7 +9577,7 @@
             <p:cNvPr id="13" name="Rectangle 12">
               <a:extLst>
                 <a:ext uri="{FF2B5EF4-FFF2-40B4-BE49-F238E27FC236}">
-                  <a16:creationId xmlns:a16="http://schemas.microsoft.com/office/drawing/2014/main" xmlns="" id="{CF975997-9019-BC40-9E43-7EB374795C77}"/>
+                  <a16:creationId xmlns="" xmlns:a16="http://schemas.microsoft.com/office/drawing/2014/main" id="{CF975997-9019-BC40-9E43-7EB374795C77}"/>
                 </a:ext>
               </a:extLst>
             </p:cNvPr>
@@ -9668,7 +9646,7 @@
             <p:cNvPr id="14" name="Rectangle 13">
               <a:extLst>
                 <a:ext uri="{FF2B5EF4-FFF2-40B4-BE49-F238E27FC236}">
-                  <a16:creationId xmlns:a16="http://schemas.microsoft.com/office/drawing/2014/main" xmlns="" id="{28FA50C8-5687-1D4B-886B-50D3BAE6824A}"/>
+                  <a16:creationId xmlns="" xmlns:a16="http://schemas.microsoft.com/office/drawing/2014/main" id="{28FA50C8-5687-1D4B-886B-50D3BAE6824A}"/>
                 </a:ext>
               </a:extLst>
             </p:cNvPr>
@@ -9716,11 +9694,6 @@
                 </a:rPr>
                 <a:t>Add Targets through ATO</a:t>
               </a:r>
-              <a:endParaRPr lang="en-US" sz="600" dirty="0">
-                <a:solidFill>
-                  <a:srgbClr val="00B050"/>
-                </a:solidFill>
-              </a:endParaRPr>
             </a:p>
           </p:txBody>
         </p:sp>
@@ -9729,7 +9702,7 @@
             <p:cNvPr id="15" name="Rectangle 14">
               <a:extLst>
                 <a:ext uri="{FF2B5EF4-FFF2-40B4-BE49-F238E27FC236}">
-                  <a16:creationId xmlns:a16="http://schemas.microsoft.com/office/drawing/2014/main" xmlns="" id="{FE2C2A62-885F-8344-9E4B-C39D579D1132}"/>
+                  <a16:creationId xmlns="" xmlns:a16="http://schemas.microsoft.com/office/drawing/2014/main" id="{FE2C2A62-885F-8344-9E4B-C39D579D1132}"/>
                 </a:ext>
               </a:extLst>
             </p:cNvPr>
@@ -9777,11 +9750,6 @@
                 </a:rPr>
                 <a:t>Add/Delete Constraints</a:t>
               </a:r>
-              <a:endParaRPr lang="en-US" sz="600" dirty="0">
-                <a:solidFill>
-                  <a:srgbClr val="00B050"/>
-                </a:solidFill>
-              </a:endParaRPr>
             </a:p>
           </p:txBody>
         </p:sp>
@@ -9790,7 +9758,7 @@
             <p:cNvPr id="16" name="Rectangle 15">
               <a:extLst>
                 <a:ext uri="{FF2B5EF4-FFF2-40B4-BE49-F238E27FC236}">
-                  <a16:creationId xmlns:a16="http://schemas.microsoft.com/office/drawing/2014/main" xmlns="" id="{50E3D0F9-7B4A-406C-ACDE-31C63D8C5AE9}"/>
+                  <a16:creationId xmlns="" xmlns:a16="http://schemas.microsoft.com/office/drawing/2014/main" id="{50E3D0F9-7B4A-406C-ACDE-31C63D8C5AE9}"/>
                 </a:ext>
               </a:extLst>
             </p:cNvPr>
@@ -9838,11 +9806,6 @@
                 </a:rPr>
                 <a:t>Push Notifications</a:t>
               </a:r>
-              <a:endParaRPr lang="en-US" sz="500" dirty="0">
-                <a:solidFill>
-                  <a:srgbClr val="00B050"/>
-                </a:solidFill>
-              </a:endParaRPr>
             </a:p>
           </p:txBody>
         </p:sp>
@@ -9851,7 +9814,7 @@
             <p:cNvPr id="17" name="Rectangle 16">
               <a:extLst>
                 <a:ext uri="{FF2B5EF4-FFF2-40B4-BE49-F238E27FC236}">
-                  <a16:creationId xmlns:a16="http://schemas.microsoft.com/office/drawing/2014/main" xmlns="" id="{28FA50C8-5687-1D4B-886B-50D3BAE6824A}"/>
+                  <a16:creationId xmlns="" xmlns:a16="http://schemas.microsoft.com/office/drawing/2014/main" id="{28FA50C8-5687-1D4B-886B-50D3BAE6824A}"/>
                 </a:ext>
               </a:extLst>
             </p:cNvPr>
@@ -9899,11 +9862,6 @@
                 </a:rPr>
                 <a:t>Run Scheduling Algorithm</a:t>
               </a:r>
-              <a:endParaRPr lang="en-US" sz="600" dirty="0">
-                <a:solidFill>
-                  <a:srgbClr val="00B050"/>
-                </a:solidFill>
-              </a:endParaRPr>
             </a:p>
           </p:txBody>
         </p:sp>
@@ -9912,7 +9870,7 @@
             <p:cNvPr id="18" name="Rectangle 17">
               <a:extLst>
                 <a:ext uri="{FF2B5EF4-FFF2-40B4-BE49-F238E27FC236}">
-                  <a16:creationId xmlns:a16="http://schemas.microsoft.com/office/drawing/2014/main" xmlns="" id="{50E3D0F9-7B4A-406C-ACDE-31C63D8C5AE9}"/>
+                  <a16:creationId xmlns="" xmlns:a16="http://schemas.microsoft.com/office/drawing/2014/main" id="{50E3D0F9-7B4A-406C-ACDE-31C63D8C5AE9}"/>
                 </a:ext>
               </a:extLst>
             </p:cNvPr>
@@ -9968,7 +9926,7 @@
             <p:cNvPr id="19" name="Rectangle 18">
               <a:extLst>
                 <a:ext uri="{FF2B5EF4-FFF2-40B4-BE49-F238E27FC236}">
-                  <a16:creationId xmlns:a16="http://schemas.microsoft.com/office/drawing/2014/main" xmlns="" id="{FE2C2A62-885F-8344-9E4B-C39D579D1132}"/>
+                  <a16:creationId xmlns="" xmlns:a16="http://schemas.microsoft.com/office/drawing/2014/main" id="{FE2C2A62-885F-8344-9E4B-C39D579D1132}"/>
                 </a:ext>
               </a:extLst>
             </p:cNvPr>
@@ -10111,7 +10069,7 @@
           <p:cNvPr id="5" name="Picture 4">
             <a:extLst>
               <a:ext uri="{FF2B5EF4-FFF2-40B4-BE49-F238E27FC236}">
-                <a16:creationId xmlns:a16="http://schemas.microsoft.com/office/drawing/2014/main" xmlns="" id="{43626C92-7A10-4A79-BF1E-7254198DA7AC}"/>
+                <a16:creationId xmlns="" xmlns:a16="http://schemas.microsoft.com/office/drawing/2014/main" id="{43626C92-7A10-4A79-BF1E-7254198DA7AC}"/>
               </a:ext>
             </a:extLst>
           </p:cNvPr>
@@ -10155,7 +10113,7 @@
             <p:cNvPr id="22" name="Rectangle 21">
               <a:extLst>
                 <a:ext uri="{FF2B5EF4-FFF2-40B4-BE49-F238E27FC236}">
-                  <a16:creationId xmlns:a16="http://schemas.microsoft.com/office/drawing/2014/main" xmlns="" id="{145F70D7-0AC1-AF46-83A4-B57B7DD63472}"/>
+                  <a16:creationId xmlns="" xmlns:a16="http://schemas.microsoft.com/office/drawing/2014/main" id="{145F70D7-0AC1-AF46-83A4-B57B7DD63472}"/>
                 </a:ext>
               </a:extLst>
             </p:cNvPr>
@@ -10209,7 +10167,7 @@
             <p:cNvPr id="23" name="Rectangle 22">
               <a:extLst>
                 <a:ext uri="{FF2B5EF4-FFF2-40B4-BE49-F238E27FC236}">
-                  <a16:creationId xmlns:a16="http://schemas.microsoft.com/office/drawing/2014/main" xmlns="" id="{6C107317-AE96-3E4B-9943-BA76EB4F5366}"/>
+                  <a16:creationId xmlns="" xmlns:a16="http://schemas.microsoft.com/office/drawing/2014/main" id="{6C107317-AE96-3E4B-9943-BA76EB4F5366}"/>
                 </a:ext>
               </a:extLst>
             </p:cNvPr>
@@ -10270,7 +10228,7 @@
             <p:cNvPr id="24" name="Rectangle 23">
               <a:extLst>
                 <a:ext uri="{FF2B5EF4-FFF2-40B4-BE49-F238E27FC236}">
-                  <a16:creationId xmlns:a16="http://schemas.microsoft.com/office/drawing/2014/main" xmlns="" id="{BF7845A2-8B7D-5543-97A8-535B0123AA1E}"/>
+                  <a16:creationId xmlns="" xmlns:a16="http://schemas.microsoft.com/office/drawing/2014/main" id="{BF7845A2-8B7D-5543-97A8-535B0123AA1E}"/>
                 </a:ext>
               </a:extLst>
             </p:cNvPr>
@@ -10318,11 +10276,6 @@
                 </a:rPr>
                 <a:t>Add/Delete Pilots</a:t>
               </a:r>
-              <a:endParaRPr lang="en-US" sz="600" dirty="0">
-                <a:solidFill>
-                  <a:srgbClr val="00B050"/>
-                </a:solidFill>
-              </a:endParaRPr>
             </a:p>
           </p:txBody>
         </p:sp>
@@ -10331,7 +10284,7 @@
             <p:cNvPr id="25" name="Rectangle 24">
               <a:extLst>
                 <a:ext uri="{FF2B5EF4-FFF2-40B4-BE49-F238E27FC236}">
-                  <a16:creationId xmlns:a16="http://schemas.microsoft.com/office/drawing/2014/main" xmlns="" id="{30F14371-242C-6B45-A05D-F2D4ADCC4B76}"/>
+                  <a16:creationId xmlns="" xmlns:a16="http://schemas.microsoft.com/office/drawing/2014/main" id="{30F14371-242C-6B45-A05D-F2D4ADCC4B76}"/>
                 </a:ext>
               </a:extLst>
             </p:cNvPr>
@@ -10372,12 +10325,12 @@
             <a:p>
               <a:pPr algn="ctr"/>
               <a:r>
-                <a:rPr lang="en-US" sz="600" dirty="0">
+                <a:rPr lang="en-US" sz="600" dirty="0" smtClean="0">
                   <a:solidFill>
                     <a:srgbClr val="00B050"/>
                   </a:solidFill>
                 </a:rPr>
-                <a:t>Add/Delete </a:t>
+                <a:t>Add/Delete /Modify </a:t>
               </a:r>
               <a:r>
                 <a:rPr lang="en-US" sz="600" dirty="0" smtClean="0">
@@ -10400,7 +10353,7 @@
             <p:cNvPr id="26" name="Rectangle 25">
               <a:extLst>
                 <a:ext uri="{FF2B5EF4-FFF2-40B4-BE49-F238E27FC236}">
-                  <a16:creationId xmlns:a16="http://schemas.microsoft.com/office/drawing/2014/main" xmlns="" id="{E52ACF4A-BE94-E544-9A38-718C09CB9074}"/>
+                  <a16:creationId xmlns="" xmlns:a16="http://schemas.microsoft.com/office/drawing/2014/main" id="{E52ACF4A-BE94-E544-9A38-718C09CB9074}"/>
                 </a:ext>
               </a:extLst>
             </p:cNvPr>
@@ -10469,7 +10422,7 @@
             <p:cNvPr id="27" name="Rectangle 26">
               <a:extLst>
                 <a:ext uri="{FF2B5EF4-FFF2-40B4-BE49-F238E27FC236}">
-                  <a16:creationId xmlns:a16="http://schemas.microsoft.com/office/drawing/2014/main" xmlns="" id="{4AE79B28-5F12-D149-B662-ABA275AC7830}"/>
+                  <a16:creationId xmlns="" xmlns:a16="http://schemas.microsoft.com/office/drawing/2014/main" id="{4AE79B28-5F12-D149-B662-ABA275AC7830}"/>
                 </a:ext>
               </a:extLst>
             </p:cNvPr>
@@ -10517,11 +10470,6 @@
                 </a:rPr>
                 <a:t>Run Target Order Algorithm</a:t>
               </a:r>
-              <a:endParaRPr lang="en-US" sz="600" dirty="0">
-                <a:solidFill>
-                  <a:srgbClr val="00B050"/>
-                </a:solidFill>
-              </a:endParaRPr>
             </a:p>
           </p:txBody>
         </p:sp>
@@ -10530,7 +10478,7 @@
             <p:cNvPr id="28" name="Rectangle 27">
               <a:extLst>
                 <a:ext uri="{FF2B5EF4-FFF2-40B4-BE49-F238E27FC236}">
-                  <a16:creationId xmlns:a16="http://schemas.microsoft.com/office/drawing/2014/main" xmlns="" id="{CF975997-9019-BC40-9E43-7EB374795C77}"/>
+                  <a16:creationId xmlns="" xmlns:a16="http://schemas.microsoft.com/office/drawing/2014/main" id="{CF975997-9019-BC40-9E43-7EB374795C77}"/>
                 </a:ext>
               </a:extLst>
             </p:cNvPr>
@@ -10599,7 +10547,7 @@
             <p:cNvPr id="29" name="Rectangle 28">
               <a:extLst>
                 <a:ext uri="{FF2B5EF4-FFF2-40B4-BE49-F238E27FC236}">
-                  <a16:creationId xmlns:a16="http://schemas.microsoft.com/office/drawing/2014/main" xmlns="" id="{28FA50C8-5687-1D4B-886B-50D3BAE6824A}"/>
+                  <a16:creationId xmlns="" xmlns:a16="http://schemas.microsoft.com/office/drawing/2014/main" id="{28FA50C8-5687-1D4B-886B-50D3BAE6824A}"/>
                 </a:ext>
               </a:extLst>
             </p:cNvPr>
@@ -10647,11 +10595,6 @@
                 </a:rPr>
                 <a:t>Add Targets through ATO</a:t>
               </a:r>
-              <a:endParaRPr lang="en-US" sz="600" dirty="0">
-                <a:solidFill>
-                  <a:srgbClr val="00B050"/>
-                </a:solidFill>
-              </a:endParaRPr>
             </a:p>
           </p:txBody>
         </p:sp>
@@ -10660,7 +10603,7 @@
             <p:cNvPr id="30" name="Rectangle 29">
               <a:extLst>
                 <a:ext uri="{FF2B5EF4-FFF2-40B4-BE49-F238E27FC236}">
-                  <a16:creationId xmlns:a16="http://schemas.microsoft.com/office/drawing/2014/main" xmlns="" id="{FE2C2A62-885F-8344-9E4B-C39D579D1132}"/>
+                  <a16:creationId xmlns="" xmlns:a16="http://schemas.microsoft.com/office/drawing/2014/main" id="{FE2C2A62-885F-8344-9E4B-C39D579D1132}"/>
                 </a:ext>
               </a:extLst>
             </p:cNvPr>
@@ -10708,11 +10651,6 @@
                 </a:rPr>
                 <a:t>Add/Delete Constraints</a:t>
               </a:r>
-              <a:endParaRPr lang="en-US" sz="600" dirty="0">
-                <a:solidFill>
-                  <a:srgbClr val="00B050"/>
-                </a:solidFill>
-              </a:endParaRPr>
             </a:p>
           </p:txBody>
         </p:sp>
@@ -10721,7 +10659,7 @@
             <p:cNvPr id="31" name="Rectangle 30">
               <a:extLst>
                 <a:ext uri="{FF2B5EF4-FFF2-40B4-BE49-F238E27FC236}">
-                  <a16:creationId xmlns:a16="http://schemas.microsoft.com/office/drawing/2014/main" xmlns="" id="{50E3D0F9-7B4A-406C-ACDE-31C63D8C5AE9}"/>
+                  <a16:creationId xmlns="" xmlns:a16="http://schemas.microsoft.com/office/drawing/2014/main" id="{50E3D0F9-7B4A-406C-ACDE-31C63D8C5AE9}"/>
                 </a:ext>
               </a:extLst>
             </p:cNvPr>
@@ -10769,11 +10707,6 @@
                 </a:rPr>
                 <a:t>Push Notifications</a:t>
               </a:r>
-              <a:endParaRPr lang="en-US" sz="500" dirty="0">
-                <a:solidFill>
-                  <a:srgbClr val="00B050"/>
-                </a:solidFill>
-              </a:endParaRPr>
             </a:p>
           </p:txBody>
         </p:sp>
@@ -10782,7 +10715,7 @@
             <p:cNvPr id="32" name="Rectangle 31">
               <a:extLst>
                 <a:ext uri="{FF2B5EF4-FFF2-40B4-BE49-F238E27FC236}">
-                  <a16:creationId xmlns:a16="http://schemas.microsoft.com/office/drawing/2014/main" xmlns="" id="{28FA50C8-5687-1D4B-886B-50D3BAE6824A}"/>
+                  <a16:creationId xmlns="" xmlns:a16="http://schemas.microsoft.com/office/drawing/2014/main" id="{28FA50C8-5687-1D4B-886B-50D3BAE6824A}"/>
                 </a:ext>
               </a:extLst>
             </p:cNvPr>
@@ -10830,11 +10763,6 @@
                 </a:rPr>
                 <a:t>Run Scheduling Algorithm</a:t>
               </a:r>
-              <a:endParaRPr lang="en-US" sz="600" dirty="0">
-                <a:solidFill>
-                  <a:srgbClr val="00B050"/>
-                </a:solidFill>
-              </a:endParaRPr>
             </a:p>
           </p:txBody>
         </p:sp>
@@ -10843,7 +10771,7 @@
             <p:cNvPr id="33" name="Rectangle 32">
               <a:extLst>
                 <a:ext uri="{FF2B5EF4-FFF2-40B4-BE49-F238E27FC236}">
-                  <a16:creationId xmlns:a16="http://schemas.microsoft.com/office/drawing/2014/main" xmlns="" id="{50E3D0F9-7B4A-406C-ACDE-31C63D8C5AE9}"/>
+                  <a16:creationId xmlns="" xmlns:a16="http://schemas.microsoft.com/office/drawing/2014/main" id="{50E3D0F9-7B4A-406C-ACDE-31C63D8C5AE9}"/>
                 </a:ext>
               </a:extLst>
             </p:cNvPr>
@@ -10899,7 +10827,7 @@
             <p:cNvPr id="34" name="Rectangle 33">
               <a:extLst>
                 <a:ext uri="{FF2B5EF4-FFF2-40B4-BE49-F238E27FC236}">
-                  <a16:creationId xmlns:a16="http://schemas.microsoft.com/office/drawing/2014/main" xmlns="" id="{FE2C2A62-885F-8344-9E4B-C39D579D1132}"/>
+                  <a16:creationId xmlns="" xmlns:a16="http://schemas.microsoft.com/office/drawing/2014/main" id="{FE2C2A62-885F-8344-9E4B-C39D579D1132}"/>
                 </a:ext>
               </a:extLst>
             </p:cNvPr>
@@ -11035,11 +10963,7 @@
             </a:r>
             <a:r>
               <a:rPr lang="en-US" dirty="0" smtClean="0"/>
-              <a:t>Initial </a:t>
-            </a:r>
-            <a:r>
-              <a:rPr lang="en-US" dirty="0" smtClean="0"/>
-              <a:t>Schedule</a:t>
+              <a:t>Initial Schedule</a:t>
             </a:r>
             <a:br>
               <a:rPr lang="en-US" dirty="0" smtClean="0"/>
@@ -11433,11 +11357,6 @@
               </a:rPr>
               <a:t>Number of Missiles Remaining: 0</a:t>
             </a:r>
-            <a:endParaRPr lang="en-US" sz="800" dirty="0">
-              <a:solidFill>
-                <a:srgbClr val="7030A0"/>
-              </a:solidFill>
-            </a:endParaRPr>
           </a:p>
         </p:txBody>
       </p:sp>
@@ -12442,11 +12361,6 @@
               </a:rPr>
               <a:t>Number of Missiles Remaining: 4</a:t>
             </a:r>
-            <a:endParaRPr lang="en-US" sz="800" dirty="0">
-              <a:solidFill>
-                <a:srgbClr val="7030A0"/>
-              </a:solidFill>
-            </a:endParaRPr>
           </a:p>
         </p:txBody>
       </p:sp>
@@ -12574,11 +12488,6 @@
               </a:rPr>
               <a:t> Missiles Actually Used for each Target: 1  2  1  3  2  1</a:t>
             </a:r>
-            <a:endParaRPr lang="en-US" sz="900" dirty="0">
-              <a:solidFill>
-                <a:srgbClr val="7030A0"/>
-              </a:solidFill>
-            </a:endParaRPr>
           </a:p>
         </p:txBody>
       </p:sp>
@@ -13051,11 +12960,6 @@
               </a:rPr>
               <a:t>Pilot 15 is killed!!!</a:t>
             </a:r>
-            <a:endParaRPr lang="en-US" sz="800" dirty="0">
-              <a:solidFill>
-                <a:srgbClr val="FF0000"/>
-              </a:solidFill>
-            </a:endParaRPr>
           </a:p>
         </p:txBody>
       </p:sp>
@@ -13192,7 +13096,7 @@
           <p:cNvPr id="2" name="Title 1">
             <a:extLst>
               <a:ext uri="{FF2B5EF4-FFF2-40B4-BE49-F238E27FC236}">
-                <a16:creationId xmlns:a16="http://schemas.microsoft.com/office/drawing/2014/main" xmlns="" id="{F957234A-F1A3-453E-8A2C-61F082D663C1}"/>
+                <a16:creationId xmlns="" xmlns:a16="http://schemas.microsoft.com/office/drawing/2014/main" id="{F957234A-F1A3-453E-8A2C-61F082D663C1}"/>
               </a:ext>
             </a:extLst>
           </p:cNvPr>
@@ -13230,7 +13134,7 @@
           <p:cNvPr id="4" name="Footer Placeholder 3">
             <a:extLst>
               <a:ext uri="{FF2B5EF4-FFF2-40B4-BE49-F238E27FC236}">
-                <a16:creationId xmlns:a16="http://schemas.microsoft.com/office/drawing/2014/main" xmlns="" id="{169FFFA7-9B2C-49FC-AC49-66B5B7B7C039}"/>
+                <a16:creationId xmlns="" xmlns:a16="http://schemas.microsoft.com/office/drawing/2014/main" id="{169FFFA7-9B2C-49FC-AC49-66B5B7B7C039}"/>
               </a:ext>
             </a:extLst>
           </p:cNvPr>
@@ -13265,7 +13169,7 @@
           <p:cNvPr id="8" name="Content Placeholder 7">
             <a:extLst>
               <a:ext uri="{FF2B5EF4-FFF2-40B4-BE49-F238E27FC236}">
-                <a16:creationId xmlns:a16="http://schemas.microsoft.com/office/drawing/2014/main" xmlns="" id="{2E7707F0-D0DA-4C8D-B2BA-9A55BACB9F14}"/>
+                <a16:creationId xmlns="" xmlns:a16="http://schemas.microsoft.com/office/drawing/2014/main" id="{2E7707F0-D0DA-4C8D-B2BA-9A55BACB9F14}"/>
               </a:ext>
             </a:extLst>
           </p:cNvPr>
@@ -13334,7 +13238,7 @@
           <p:cNvPr id="12" name="Picture 11">
             <a:extLst>
               <a:ext uri="{FF2B5EF4-FFF2-40B4-BE49-F238E27FC236}">
-                <a16:creationId xmlns:a16="http://schemas.microsoft.com/office/drawing/2014/main" xmlns="" id="{0F2C8AFF-C8FC-4837-8C61-15D24392CD73}"/>
+                <a16:creationId xmlns="" xmlns:a16="http://schemas.microsoft.com/office/drawing/2014/main" id="{0F2C8AFF-C8FC-4837-8C61-15D24392CD73}"/>
               </a:ext>
             </a:extLst>
           </p:cNvPr>
@@ -13394,7 +13298,7 @@
           <p:cNvPr id="4" name="Footer Placeholder 3">
             <a:extLst>
               <a:ext uri="{FF2B5EF4-FFF2-40B4-BE49-F238E27FC236}">
-                <a16:creationId xmlns:a16="http://schemas.microsoft.com/office/drawing/2014/main" xmlns="" id="{7B57FAC7-9A78-418C-B807-48ECCF0BCB6C}"/>
+                <a16:creationId xmlns="" xmlns:a16="http://schemas.microsoft.com/office/drawing/2014/main" id="{7B57FAC7-9A78-418C-B807-48ECCF0BCB6C}"/>
               </a:ext>
             </a:extLst>
           </p:cNvPr>
@@ -13425,7 +13329,7 @@
           <p:cNvPr id="2" name="TextBox 1">
             <a:extLst>
               <a:ext uri="{FF2B5EF4-FFF2-40B4-BE49-F238E27FC236}">
-                <a16:creationId xmlns:a16="http://schemas.microsoft.com/office/drawing/2014/main" xmlns="" id="{ABD7F561-60CD-490C-A66A-7874934A3F0A}"/>
+                <a16:creationId xmlns="" xmlns:a16="http://schemas.microsoft.com/office/drawing/2014/main" id="{ABD7F561-60CD-490C-A66A-7874934A3F0A}"/>
               </a:ext>
             </a:extLst>
           </p:cNvPr>
@@ -13490,7 +13394,7 @@
           <p:cNvPr id="2" name="Title 1">
             <a:extLst>
               <a:ext uri="{FF2B5EF4-FFF2-40B4-BE49-F238E27FC236}">
-                <a16:creationId xmlns:a16="http://schemas.microsoft.com/office/drawing/2014/main" xmlns="" id="{943DCFC8-26A0-4B2E-87F6-0E00BE3F7F5E}"/>
+                <a16:creationId xmlns="" xmlns:a16="http://schemas.microsoft.com/office/drawing/2014/main" id="{943DCFC8-26A0-4B2E-87F6-0E00BE3F7F5E}"/>
               </a:ext>
             </a:extLst>
           </p:cNvPr>
@@ -13526,7 +13430,7 @@
           <p:cNvPr id="4" name="Footer Placeholder 3">
             <a:extLst>
               <a:ext uri="{FF2B5EF4-FFF2-40B4-BE49-F238E27FC236}">
-                <a16:creationId xmlns:a16="http://schemas.microsoft.com/office/drawing/2014/main" xmlns="" id="{6280CF32-9815-4EEB-889D-75232A4BA741}"/>
+                <a16:creationId xmlns="" xmlns:a16="http://schemas.microsoft.com/office/drawing/2014/main" id="{6280CF32-9815-4EEB-889D-75232A4BA741}"/>
               </a:ext>
             </a:extLst>
           </p:cNvPr>
@@ -13557,7 +13461,7 @@
           <p:cNvPr id="6" name="Group 5">
             <a:extLst>
               <a:ext uri="{FF2B5EF4-FFF2-40B4-BE49-F238E27FC236}">
-                <a16:creationId xmlns:a16="http://schemas.microsoft.com/office/drawing/2014/main" xmlns="" id="{141E14CB-BF28-4A1A-8DAB-6FDD0BCD224C}"/>
+                <a16:creationId xmlns="" xmlns:a16="http://schemas.microsoft.com/office/drawing/2014/main" id="{141E14CB-BF28-4A1A-8DAB-6FDD0BCD224C}"/>
               </a:ext>
             </a:extLst>
           </p:cNvPr>
@@ -13577,7 +13481,7 @@
             <p:cNvPr id="3074" name="Picture 2" descr="A Double Date With Leatherface – Texas Monthly">
               <a:extLst>
                 <a:ext uri="{FF2B5EF4-FFF2-40B4-BE49-F238E27FC236}">
-                  <a16:creationId xmlns:a16="http://schemas.microsoft.com/office/drawing/2014/main" xmlns="" id="{22020642-5868-4C46-8AE5-DC542E41254C}"/>
+                  <a16:creationId xmlns="" xmlns:a16="http://schemas.microsoft.com/office/drawing/2014/main" id="{22020642-5868-4C46-8AE5-DC542E41254C}"/>
                 </a:ext>
               </a:extLst>
             </p:cNvPr>
@@ -13622,7 +13526,7 @@
             <p:cNvPr id="7" name="TextBox 6">
               <a:extLst>
                 <a:ext uri="{FF2B5EF4-FFF2-40B4-BE49-F238E27FC236}">
-                  <a16:creationId xmlns:a16="http://schemas.microsoft.com/office/drawing/2014/main" xmlns="" id="{0708C8B9-A3AB-450B-81C4-A103DD3FC083}"/>
+                  <a16:creationId xmlns="" xmlns:a16="http://schemas.microsoft.com/office/drawing/2014/main" id="{0708C8B9-A3AB-450B-81C4-A103DD3FC083}"/>
                 </a:ext>
               </a:extLst>
             </p:cNvPr>
@@ -13670,7 +13574,7 @@
           <p:cNvPr id="9" name="TextBox 8">
             <a:extLst>
               <a:ext uri="{FF2B5EF4-FFF2-40B4-BE49-F238E27FC236}">
-                <a16:creationId xmlns:a16="http://schemas.microsoft.com/office/drawing/2014/main" xmlns="" id="{7F019BA2-3C4B-4F8D-A2EA-AB79D8D7B61B}"/>
+                <a16:creationId xmlns="" xmlns:a16="http://schemas.microsoft.com/office/drawing/2014/main" id="{7F019BA2-3C4B-4F8D-A2EA-AB79D8D7B61B}"/>
               </a:ext>
             </a:extLst>
           </p:cNvPr>
@@ -13760,7 +13664,7 @@
           <p:cNvPr id="10" name="TextBox 9">
             <a:extLst>
               <a:ext uri="{FF2B5EF4-FFF2-40B4-BE49-F238E27FC236}">
-                <a16:creationId xmlns:a16="http://schemas.microsoft.com/office/drawing/2014/main" xmlns="" id="{8418428D-5EA6-4972-8C73-2F7AA4740CBC}"/>
+                <a16:creationId xmlns="" xmlns:a16="http://schemas.microsoft.com/office/drawing/2014/main" id="{8418428D-5EA6-4972-8C73-2F7AA4740CBC}"/>
               </a:ext>
             </a:extLst>
           </p:cNvPr>
@@ -13807,7 +13711,7 @@
           <p:cNvPr id="3080" name="Picture 8" descr="In his new book, &amp;#39;Cabinet of Curiosities,&amp;#39; director Guillermo del Toro  reveals the inspiration behind his monstrous creations - New York Daily News">
             <a:extLst>
               <a:ext uri="{FF2B5EF4-FFF2-40B4-BE49-F238E27FC236}">
-                <a16:creationId xmlns:a16="http://schemas.microsoft.com/office/drawing/2014/main" xmlns="" id="{0D4F2247-B974-4A2A-86D2-A0F7662B0C85}"/>
+                <a16:creationId xmlns="" xmlns:a16="http://schemas.microsoft.com/office/drawing/2014/main" id="{0D4F2247-B974-4A2A-86D2-A0F7662B0C85}"/>
               </a:ext>
             </a:extLst>
           </p:cNvPr>
@@ -13854,7 +13758,7 @@
           <p:cNvPr id="3082" name="Picture 10" descr="Michael Myers | Villains Wiki | Fandom">
             <a:extLst>
               <a:ext uri="{FF2B5EF4-FFF2-40B4-BE49-F238E27FC236}">
-                <a16:creationId xmlns:a16="http://schemas.microsoft.com/office/drawing/2014/main" xmlns="" id="{B503C72F-E6FB-4C72-B77E-F21080370CEE}"/>
+                <a16:creationId xmlns="" xmlns:a16="http://schemas.microsoft.com/office/drawing/2014/main" id="{B503C72F-E6FB-4C72-B77E-F21080370CEE}"/>
               </a:ext>
             </a:extLst>
           </p:cNvPr>
@@ -13901,7 +13805,7 @@
           <p:cNvPr id="14" name="Picture 13">
             <a:extLst>
               <a:ext uri="{FF2B5EF4-FFF2-40B4-BE49-F238E27FC236}">
-                <a16:creationId xmlns:a16="http://schemas.microsoft.com/office/drawing/2014/main" xmlns="" id="{AA5F475A-5677-4D61-ACA5-D6FF94854F8B}"/>
+                <a16:creationId xmlns="" xmlns:a16="http://schemas.microsoft.com/office/drawing/2014/main" id="{AA5F475A-5677-4D61-ACA5-D6FF94854F8B}"/>
               </a:ext>
             </a:extLst>
           </p:cNvPr>
